--- a/Lecture 37 - Implicits.pptx
+++ b/Lecture 37 - Implicits.pptx
@@ -5,7 +5,7 @@
     <p:sldMasterId id="2147483660" r:id="rId1"/>
   </p:sldMasterIdLst>
   <p:notesMasterIdLst>
-    <p:notesMasterId r:id="rId13"/>
+    <p:notesMasterId r:id="rId12"/>
   </p:notesMasterIdLst>
   <p:sldIdLst>
     <p:sldId id="285" r:id="rId2"/>
@@ -14,11 +14,10 @@
     <p:sldId id="259" r:id="rId5"/>
     <p:sldId id="260" r:id="rId6"/>
     <p:sldId id="261" r:id="rId7"/>
-    <p:sldId id="269" r:id="rId8"/>
-    <p:sldId id="265" r:id="rId9"/>
-    <p:sldId id="266" r:id="rId10"/>
-    <p:sldId id="267" r:id="rId11"/>
-    <p:sldId id="268" r:id="rId12"/>
+    <p:sldId id="265" r:id="rId8"/>
+    <p:sldId id="269" r:id="rId9"/>
+    <p:sldId id="267" r:id="rId10"/>
+    <p:sldId id="268" r:id="rId11"/>
   </p:sldIdLst>
   <p:sldSz cx="9144000" cy="6858000" type="screen4x3"/>
   <p:notesSz cx="6858000" cy="9144000"/>
@@ -218,7 +217,7 @@
           <a:p>
             <a:fld id="{FFC671DE-B974-1645-9773-8DE72E573319}" type="datetimeFigureOut">
               <a:rPr lang="en-US" smtClean="0"/>
-              <a:t>11/12/2018</a:t>
+              <a:t>11/14/2018</a:t>
             </a:fld>
             <a:endParaRPr lang="en-US"/>
           </a:p>
@@ -1084,7 +1083,7 @@
           <a:p>
             <a:fld id="{15BAAE7D-7912-B445-AAA7-9E6395770C35}" type="datetimeFigureOut">
               <a:rPr lang="en-US" smtClean="0"/>
-              <a:t>11/12/2018</a:t>
+              <a:t>11/14/2018</a:t>
             </a:fld>
             <a:endParaRPr lang="en-US"/>
           </a:p>
@@ -1369,7 +1368,7 @@
           <a:p>
             <a:fld id="{15BAAE7D-7912-B445-AAA7-9E6395770C35}" type="datetimeFigureOut">
               <a:rPr lang="en-US" smtClean="0"/>
-              <a:t>11/12/2018</a:t>
+              <a:t>11/14/2018</a:t>
             </a:fld>
             <a:endParaRPr lang="en-US"/>
           </a:p>
@@ -1666,7 +1665,7 @@
           <a:p>
             <a:fld id="{15BAAE7D-7912-B445-AAA7-9E6395770C35}" type="datetimeFigureOut">
               <a:rPr lang="en-US" smtClean="0"/>
-              <a:t>11/12/2018</a:t>
+              <a:t>11/14/2018</a:t>
             </a:fld>
             <a:endParaRPr lang="en-US"/>
           </a:p>
@@ -1998,7 +1997,7 @@
           <a:p>
             <a:fld id="{15BAAE7D-7912-B445-AAA7-9E6395770C35}" type="datetimeFigureOut">
               <a:rPr lang="en-US" smtClean="0"/>
-              <a:t>11/12/2018</a:t>
+              <a:t>11/14/2018</a:t>
             </a:fld>
             <a:endParaRPr lang="en-US"/>
           </a:p>
@@ -2257,7 +2256,7 @@
           <a:p>
             <a:fld id="{15BAAE7D-7912-B445-AAA7-9E6395770C35}" type="datetimeFigureOut">
               <a:rPr lang="en-US" smtClean="0"/>
-              <a:t>11/12/2018</a:t>
+              <a:t>11/14/2018</a:t>
             </a:fld>
             <a:endParaRPr lang="en-US"/>
           </a:p>
@@ -2444,7 +2443,7 @@
           <a:p>
             <a:fld id="{15BAAE7D-7912-B445-AAA7-9E6395770C35}" type="datetimeFigureOut">
               <a:rPr lang="en-US" smtClean="0"/>
-              <a:t>11/12/2018</a:t>
+              <a:t>11/14/2018</a:t>
             </a:fld>
             <a:endParaRPr lang="en-US"/>
           </a:p>
@@ -4153,7 +4152,7 @@
           <a:p>
             <a:fld id="{15BAAE7D-7912-B445-AAA7-9E6395770C35}" type="datetimeFigureOut">
               <a:rPr lang="en-US" smtClean="0"/>
-              <a:t>11/12/2018</a:t>
+              <a:t>11/14/2018</a:t>
             </a:fld>
             <a:endParaRPr lang="en-US"/>
           </a:p>
@@ -4251,7 +4250,7 @@
           <a:p>
             <a:fld id="{15BAAE7D-7912-B445-AAA7-9E6395770C35}" type="datetimeFigureOut">
               <a:rPr lang="en-US" smtClean="0"/>
-              <a:t>11/12/2018</a:t>
+              <a:t>11/14/2018</a:t>
             </a:fld>
             <a:endParaRPr lang="en-US"/>
           </a:p>
@@ -4591,7 +4590,7 @@
           <a:p>
             <a:fld id="{15BAAE7D-7912-B445-AAA7-9E6395770C35}" type="datetimeFigureOut">
               <a:rPr lang="en-US" smtClean="0"/>
-              <a:t>11/12/2018</a:t>
+              <a:t>11/14/2018</a:t>
             </a:fld>
             <a:endParaRPr lang="en-US"/>
           </a:p>
@@ -5529,126 +5528,6 @@
       </p:grpSpPr>
       <p:sp>
         <p:nvSpPr>
-          <p:cNvPr id="11266" name="Rectangle 2">
-            <a:extLst>
-              <a:ext uri="{FF2B5EF4-FFF2-40B4-BE49-F238E27FC236}">
-                <a16:creationId xmlns:a16="http://schemas.microsoft.com/office/drawing/2014/main" id="{CCC52D1C-9EC1-4F5C-B8DF-3F8599FE9359}"/>
-              </a:ext>
-            </a:extLst>
-          </p:cNvPr>
-          <p:cNvSpPr>
-            <a:spLocks noGrp="1" noChangeArrowheads="1"/>
-          </p:cNvSpPr>
-          <p:nvPr>
-            <p:ph type="title"/>
-          </p:nvPr>
-        </p:nvSpPr>
-        <p:spPr/>
-        <p:txBody>
-          <a:bodyPr/>
-          <a:lstStyle/>
-          <a:p>
-            <a:r>
-              <a:rPr lang="en-GB" altLang="en-US"/>
-              <a:t>How does it work?  </a:t>
-            </a:r>
-            <a:r>
-              <a:rPr lang="en-GB" altLang="en-US" sz="1800"/>
-              <a:t>(Bourke 1997)</a:t>
-            </a:r>
-            <a:endParaRPr lang="en-GB" altLang="en-US"/>
-          </a:p>
-        </p:txBody>
-      </p:sp>
-      <p:sp>
-        <p:nvSpPr>
-          <p:cNvPr id="11267" name="Rectangle 3">
-            <a:extLst>
-              <a:ext uri="{FF2B5EF4-FFF2-40B4-BE49-F238E27FC236}">
-                <a16:creationId xmlns:a16="http://schemas.microsoft.com/office/drawing/2014/main" id="{B2C4DBE6-69EE-4851-8018-8B1F917D122C}"/>
-              </a:ext>
-            </a:extLst>
-          </p:cNvPr>
-          <p:cNvSpPr>
-            <a:spLocks noGrp="1" noChangeArrowheads="1"/>
-          </p:cNvSpPr>
-          <p:nvPr>
-            <p:ph type="body" idx="1"/>
-          </p:nvPr>
-        </p:nvSpPr>
-        <p:spPr/>
-        <p:txBody>
-          <a:bodyPr/>
-          <a:lstStyle/>
-          <a:p>
-            <a:r>
-              <a:rPr lang="en-GB" altLang="en-US"/>
-              <a:t>Several force functions work well.  Examples:</a:t>
-            </a:r>
-          </a:p>
-          <a:p>
-            <a:pPr lvl="1"/>
-            <a:r>
-              <a:rPr lang="en-GB" altLang="en-US"/>
-              <a:t>“Blobby Molecules” - Jim Blinn</a:t>
-            </a:r>
-          </a:p>
-          <a:p>
-            <a:pPr lvl="2"/>
-            <a:r>
-              <a:rPr lang="en-GB" altLang="en-US"/>
-              <a:t>F(r) = a e</a:t>
-            </a:r>
-            <a:r>
-              <a:rPr lang="en-GB" altLang="en-US" baseline="30000"/>
-              <a:t>-br</a:t>
-            </a:r>
-            <a:r>
-              <a:rPr lang="en-GB" altLang="en-US" baseline="50000"/>
-              <a:t>2</a:t>
-            </a:r>
-          </a:p>
-          <a:p>
-            <a:pPr lvl="2"/>
-            <a:r>
-              <a:rPr lang="en-GB" altLang="en-US"/>
-              <a:t>Here ‘b’ is related to the standard deviation of the curve, and ‘a’ to the height.</a:t>
-            </a:r>
-          </a:p>
-        </p:txBody>
-      </p:sp>
-    </p:spTree>
-    <p:extLst>
-      <p:ext uri="{BB962C8B-B14F-4D97-AF65-F5344CB8AC3E}">
-        <p14:creationId xmlns:p14="http://schemas.microsoft.com/office/powerpoint/2010/main" val="2883792641"/>
-      </p:ext>
-    </p:extLst>
-  </p:cSld>
-  <p:clrMapOvr>
-    <a:masterClrMapping/>
-  </p:clrMapOvr>
-</p:sld>
-</file>
-
-<file path=ppt/slides/slide11.xml><?xml version="1.0" encoding="utf-8"?>
-<p:sld xmlns:a="http://schemas.openxmlformats.org/drawingml/2006/main" xmlns:r="http://schemas.openxmlformats.org/officeDocument/2006/relationships" xmlns:p="http://schemas.openxmlformats.org/presentationml/2006/main">
-  <p:cSld>
-    <p:spTree>
-      <p:nvGrpSpPr>
-        <p:cNvPr id="1" name=""/>
-        <p:cNvGrpSpPr/>
-        <p:nvPr/>
-      </p:nvGrpSpPr>
-      <p:grpSpPr>
-        <a:xfrm>
-          <a:off x="0" y="0"/>
-          <a:ext cx="0" cy="0"/>
-          <a:chOff x="0" y="0"/>
-          <a:chExt cx="0" cy="0"/>
-        </a:xfrm>
-      </p:grpSpPr>
-      <p:sp>
-        <p:nvSpPr>
           <p:cNvPr id="12290" name="Rectangle 2">
             <a:extLst>
               <a:ext uri="{FF2B5EF4-FFF2-40B4-BE49-F238E27FC236}">
@@ -5669,14 +5548,13 @@
           <a:lstStyle/>
           <a:p>
             <a:r>
-              <a:rPr lang="en-GB" altLang="en-US"/>
-              <a:t>How does it work?  </a:t>
-            </a:r>
-            <a:r>
-              <a:rPr lang="en-GB" altLang="en-US" sz="1800"/>
-              <a:t>(Bourke 1997)</a:t>
-            </a:r>
-            <a:endParaRPr lang="en-GB" altLang="en-US"/>
+              <a:rPr lang="en-GB" altLang="en-US" dirty="0" err="1"/>
+              <a:t>Metaball</a:t>
+            </a:r>
+            <a:r>
+              <a:rPr lang="en-GB" altLang="en-US" dirty="0"/>
+              <a:t> Functions</a:t>
+            </a:r>
           </a:p>
         </p:txBody>
       </p:sp>
@@ -5696,83 +5574,126 @@
             <p:ph type="body" idx="1"/>
           </p:nvPr>
         </p:nvSpPr>
-        <p:spPr/>
+        <p:spPr>
+          <a:xfrm>
+            <a:off x="0" y="2595562"/>
+            <a:ext cx="8724900" cy="3670767"/>
+          </a:xfrm>
+        </p:spPr>
         <p:txBody>
           <a:bodyPr/>
           <a:lstStyle/>
           <a:p>
             <a:r>
-              <a:rPr lang="en-GB" altLang="en-US"/>
+              <a:rPr lang="en-GB" altLang="en-US" dirty="0"/>
               <a:t>Several force functions work well.  Examples:</a:t>
             </a:r>
           </a:p>
           <a:p>
             <a:pPr lvl="1"/>
             <a:r>
-              <a:rPr lang="en-GB" altLang="en-US"/>
-              <a:t>“Metaballs” - Blinn again </a:t>
-            </a:r>
-            <a:r>
-              <a:rPr lang="en-GB" altLang="en-US" sz="1800"/>
+              <a:rPr lang="en-GB" altLang="en-US" dirty="0"/>
+              <a:t>“</a:t>
+            </a:r>
+            <a:r>
+              <a:rPr lang="en-GB" altLang="en-US" dirty="0" err="1"/>
+              <a:t>Metaballs</a:t>
+            </a:r>
+            <a:r>
+              <a:rPr lang="en-GB" altLang="en-US" dirty="0"/>
+              <a:t>” - Blinn again </a:t>
+            </a:r>
+            <a:r>
+              <a:rPr lang="en-GB" altLang="en-US" sz="1800" dirty="0"/>
               <a:t>(I think)</a:t>
             </a:r>
-            <a:endParaRPr lang="en-GB" altLang="en-US"/>
+            <a:endParaRPr lang="en-GB" altLang="en-US" dirty="0"/>
           </a:p>
           <a:p>
             <a:pPr lvl="2"/>
             <a:r>
-              <a:rPr lang="en-GB" altLang="en-US"/>
+              <a:rPr lang="en-GB" altLang="en-US" dirty="0"/>
               <a:t>F(r) = 	{ a(1- 3r</a:t>
             </a:r>
             <a:r>
-              <a:rPr lang="en-GB" altLang="en-US" baseline="30000"/>
+              <a:rPr lang="en-GB" altLang="en-US" baseline="30000" dirty="0"/>
               <a:t>2</a:t>
             </a:r>
             <a:r>
-              <a:rPr lang="en-GB" altLang="en-US"/>
+              <a:rPr lang="en-GB" altLang="en-US" dirty="0"/>
               <a:t> / b</a:t>
             </a:r>
             <a:r>
-              <a:rPr lang="en-GB" altLang="en-US" baseline="30000"/>
+              <a:rPr lang="en-GB" altLang="en-US" baseline="30000" dirty="0"/>
               <a:t>2</a:t>
             </a:r>
             <a:r>
-              <a:rPr lang="en-GB" altLang="en-US"/>
+              <a:rPr lang="en-GB" altLang="en-US" dirty="0"/>
               <a:t>)	0    &lt;= r &lt; b/3</a:t>
             </a:r>
             <a:br>
-              <a:rPr lang="en-GB" altLang="en-US"/>
+              <a:rPr lang="en-GB" altLang="en-US" dirty="0"/>
             </a:br>
             <a:r>
-              <a:rPr lang="en-GB" altLang="en-US"/>
-              <a:t>		{ (3a/2)(1-r/b)</a:t>
-            </a:r>
-            <a:r>
-              <a:rPr lang="en-GB" altLang="en-US" baseline="30000"/>
+              <a:rPr lang="en-GB" altLang="en-US" dirty="0"/>
+              <a:t>	{ (3a/2)(1-r/b)</a:t>
+            </a:r>
+            <a:r>
+              <a:rPr lang="en-GB" altLang="en-US" baseline="30000" dirty="0"/>
               <a:t>2</a:t>
             </a:r>
             <a:r>
-              <a:rPr lang="en-GB" altLang="en-US"/>
+              <a:rPr lang="en-GB" altLang="en-US" dirty="0"/>
               <a:t>	b/3 &lt;= r &lt; b</a:t>
             </a:r>
             <a:br>
-              <a:rPr lang="en-GB" altLang="en-US"/>
+              <a:rPr lang="en-GB" altLang="en-US" dirty="0"/>
             </a:br>
             <a:r>
-              <a:rPr lang="en-GB" altLang="en-US"/>
-              <a:t>		{ 0			b    &lt;= r</a:t>
-            </a:r>
-            <a:endParaRPr lang="en-GB" altLang="en-US" baseline="50000"/>
+              <a:rPr lang="en-GB" altLang="en-US" dirty="0"/>
+              <a:t>	{ 0		b    &lt;= r</a:t>
+            </a:r>
+            <a:endParaRPr lang="en-GB" altLang="en-US" baseline="50000" dirty="0"/>
           </a:p>
           <a:p>
             <a:pPr lvl="2"/>
             <a:r>
-              <a:rPr lang="en-GB" altLang="en-US"/>
+              <a:rPr lang="en-GB" altLang="en-US" dirty="0"/>
               <a:t>Here ‘a’ is a scaling factor and ‘b’ bounds the radius of effect.</a:t>
             </a:r>
           </a:p>
         </p:txBody>
       </p:sp>
+      <p:pic>
+        <p:nvPicPr>
+          <p:cNvPr id="2" name="Picture 1">
+            <a:extLst>
+              <a:ext uri="{FF2B5EF4-FFF2-40B4-BE49-F238E27FC236}">
+                <a16:creationId xmlns:a16="http://schemas.microsoft.com/office/drawing/2014/main" id="{160D4778-DE4D-478B-879D-28EAF6656932}"/>
+              </a:ext>
+            </a:extLst>
+          </p:cNvPr>
+          <p:cNvPicPr>
+            <a:picLocks noChangeAspect="1"/>
+          </p:cNvPicPr>
+          <p:nvPr/>
+        </p:nvPicPr>
+        <p:blipFill>
+          <a:blip r:embed="rId2"/>
+          <a:stretch>
+            <a:fillRect/>
+          </a:stretch>
+        </p:blipFill>
+        <p:spPr>
+          <a:xfrm>
+            <a:off x="1238250" y="4599214"/>
+            <a:ext cx="6667500" cy="1905000"/>
+          </a:xfrm>
+          <a:prstGeom prst="rect">
+            <a:avLst/>
+          </a:prstGeom>
+        </p:spPr>
+      </p:pic>
     </p:spTree>
     <p:extLst>
       <p:ext uri="{BB962C8B-B14F-4D97-AF65-F5344CB8AC3E}">
@@ -9475,8 +9396,8 @@
           </a:p>
         </p:txBody>
       </p:sp>
-      <mc:AlternateContent xmlns:mc="http://schemas.openxmlformats.org/markup-compatibility/2006">
-        <mc:Choice xmlns:a14="http://schemas.microsoft.com/office/drawing/2010/main" Requires="a14">
+      <mc:AlternateContent xmlns:mc="http://schemas.openxmlformats.org/markup-compatibility/2006" xmlns:a14="http://schemas.microsoft.com/office/drawing/2010/main">
+        <mc:Choice Requires="a14">
           <p:sp>
             <p:nvSpPr>
               <p:cNvPr id="5" name="object 5"/>
@@ -9982,7 +9903,7 @@
             </p:txBody>
           </p:sp>
         </mc:Choice>
-        <mc:Fallback>
+        <mc:Fallback xmlns="">
           <p:sp>
             <p:nvSpPr>
               <p:cNvPr id="5" name="object 5"/>
@@ -14093,15 +14014,15 @@
       </p:grpSpPr>
       <p:sp>
         <p:nvSpPr>
-          <p:cNvPr id="2" name="Title 1">
+          <p:cNvPr id="9218" name="Rectangle 2">
             <a:extLst>
               <a:ext uri="{FF2B5EF4-FFF2-40B4-BE49-F238E27FC236}">
-                <a16:creationId xmlns:a16="http://schemas.microsoft.com/office/drawing/2014/main" id="{B4F41A6F-C694-4C3C-B07D-9829CBFAA537}"/>
+                <a16:creationId xmlns:a16="http://schemas.microsoft.com/office/drawing/2014/main" id="{C91A9265-0FB9-4A5E-AC97-66C92DA65611}"/>
               </a:ext>
             </a:extLst>
           </p:cNvPr>
           <p:cNvSpPr>
-            <a:spLocks noGrp="1"/>
+            <a:spLocks noGrp="1" noChangeArrowheads="1"/>
           </p:cNvSpPr>
           <p:nvPr>
             <p:ph type="title"/>
@@ -14113,45 +14034,103 @@
           <a:lstStyle/>
           <a:p>
             <a:r>
-              <a:rPr lang="en-US" dirty="0"/>
-              <a:t>Blending </a:t>
-            </a:r>
-            <a:r>
-              <a:rPr lang="en-US"/>
-              <a:t>Implicits</a:t>
-            </a:r>
-          </a:p>
-        </p:txBody>
-      </p:sp>
-      <p:sp>
-        <p:nvSpPr>
-          <p:cNvPr id="3" name="Text Placeholder 2">
+              <a:rPr lang="en-GB" altLang="en-US"/>
+              <a:t>Uses of Blobby Modelling</a:t>
+            </a:r>
+          </a:p>
+        </p:txBody>
+      </p:sp>
+      <p:sp>
+        <p:nvSpPr>
+          <p:cNvPr id="9219" name="Rectangle 3">
             <a:extLst>
               <a:ext uri="{FF2B5EF4-FFF2-40B4-BE49-F238E27FC236}">
-                <a16:creationId xmlns:a16="http://schemas.microsoft.com/office/drawing/2014/main" id="{39B8A62F-257D-4D7F-9406-31DAF41AA45C}"/>
+                <a16:creationId xmlns:a16="http://schemas.microsoft.com/office/drawing/2014/main" id="{0A16B599-22FB-424E-A4F9-551BDB6FE950}"/>
               </a:ext>
             </a:extLst>
           </p:cNvPr>
           <p:cNvSpPr>
-            <a:spLocks noGrp="1"/>
+            <a:spLocks noGrp="1" noChangeArrowheads="1"/>
           </p:cNvSpPr>
           <p:nvPr>
             <p:ph type="body" idx="1"/>
           </p:nvPr>
         </p:nvSpPr>
-        <p:spPr/>
+        <p:spPr>
+          <a:xfrm>
+            <a:off x="0" y="2595562"/>
+            <a:ext cx="8724900" cy="3670767"/>
+          </a:xfrm>
+        </p:spPr>
         <p:txBody>
           <a:bodyPr/>
           <a:lstStyle/>
           <a:p>
-            <a:endParaRPr lang="en-US"/>
-          </a:p>
-        </p:txBody>
-      </p:sp>
+            <a:r>
+              <a:rPr lang="en-GB" altLang="en-US" dirty="0"/>
+              <a:t>Organic forms and nonlinear shapes</a:t>
+            </a:r>
+          </a:p>
+          <a:p>
+            <a:r>
+              <a:rPr lang="en-GB" altLang="en-US" dirty="0"/>
+              <a:t>Scientific modelling (electron orbitals, some medical imaging)</a:t>
+            </a:r>
+          </a:p>
+          <a:p>
+            <a:r>
+              <a:rPr lang="en-GB" altLang="en-US" dirty="0"/>
+              <a:t>Muscles and joints with skin</a:t>
+            </a:r>
+          </a:p>
+          <a:p>
+            <a:r>
+              <a:rPr lang="en-GB" altLang="en-US" dirty="0"/>
+              <a:t>Rapid prototyping</a:t>
+            </a:r>
+          </a:p>
+          <a:p>
+            <a:r>
+              <a:rPr lang="en-GB" altLang="en-US" dirty="0"/>
+              <a:t>CAD/CAM solid geometry</a:t>
+            </a:r>
+          </a:p>
+        </p:txBody>
+      </p:sp>
+      <p:pic>
+        <p:nvPicPr>
+          <p:cNvPr id="2" name="Picture 1">
+            <a:extLst>
+              <a:ext uri="{FF2B5EF4-FFF2-40B4-BE49-F238E27FC236}">
+                <a16:creationId xmlns:a16="http://schemas.microsoft.com/office/drawing/2014/main" id="{EAACD11F-369E-4C5B-9F5B-BB72EFBE4F3C}"/>
+              </a:ext>
+            </a:extLst>
+          </p:cNvPr>
+          <p:cNvPicPr>
+            <a:picLocks noChangeAspect="1"/>
+          </p:cNvPicPr>
+          <p:nvPr/>
+        </p:nvPicPr>
+        <p:blipFill>
+          <a:blip r:embed="rId2"/>
+          <a:stretch>
+            <a:fillRect/>
+          </a:stretch>
+        </p:blipFill>
+        <p:spPr>
+          <a:xfrm>
+            <a:off x="4234543" y="3631066"/>
+            <a:ext cx="4212771" cy="2369684"/>
+          </a:xfrm>
+          <a:prstGeom prst="rect">
+            <a:avLst/>
+          </a:prstGeom>
+        </p:spPr>
+      </p:pic>
     </p:spTree>
     <p:extLst>
       <p:ext uri="{BB962C8B-B14F-4D97-AF65-F5344CB8AC3E}">
-        <p14:creationId xmlns:p14="http://schemas.microsoft.com/office/powerpoint/2010/main" val="3587750374"/>
+        <p14:creationId xmlns:p14="http://schemas.microsoft.com/office/powerpoint/2010/main" val="535728825"/>
       </p:ext>
     </p:extLst>
   </p:cSld>
@@ -14180,15 +14159,15 @@
       </p:grpSpPr>
       <p:sp>
         <p:nvSpPr>
-          <p:cNvPr id="9218" name="Rectangle 2">
+          <p:cNvPr id="2" name="Title 1">
             <a:extLst>
               <a:ext uri="{FF2B5EF4-FFF2-40B4-BE49-F238E27FC236}">
-                <a16:creationId xmlns:a16="http://schemas.microsoft.com/office/drawing/2014/main" id="{C91A9265-0FB9-4A5E-AC97-66C92DA65611}"/>
+                <a16:creationId xmlns:a16="http://schemas.microsoft.com/office/drawing/2014/main" id="{B4F41A6F-C694-4C3C-B07D-9829CBFAA537}"/>
               </a:ext>
             </a:extLst>
           </p:cNvPr>
           <p:cNvSpPr>
-            <a:spLocks noGrp="1" noChangeArrowheads="1"/>
+            <a:spLocks noGrp="1"/>
           </p:cNvSpPr>
           <p:nvPr>
             <p:ph type="title"/>
@@ -14200,68 +14179,340 @@
           <a:lstStyle/>
           <a:p>
             <a:r>
-              <a:rPr lang="en-GB" altLang="en-US"/>
-              <a:t>Uses of Blobby Modelling</a:t>
-            </a:r>
-          </a:p>
-        </p:txBody>
-      </p:sp>
-      <p:sp>
-        <p:nvSpPr>
-          <p:cNvPr id="9219" name="Rectangle 3">
+              <a:rPr lang="en-US" dirty="0"/>
+              <a:t>Blending </a:t>
+            </a:r>
+            <a:r>
+              <a:rPr lang="en-US"/>
+              <a:t>Implicits</a:t>
+            </a:r>
+          </a:p>
+        </p:txBody>
+      </p:sp>
+      <mc:AlternateContent xmlns:mc="http://schemas.openxmlformats.org/markup-compatibility/2006">
+        <mc:Choice xmlns:a14="http://schemas.microsoft.com/office/drawing/2010/main" Requires="a14">
+          <p:sp>
+            <p:nvSpPr>
+              <p:cNvPr id="3" name="Text Placeholder 2">
+                <a:extLst>
+                  <a:ext uri="{FF2B5EF4-FFF2-40B4-BE49-F238E27FC236}">
+                    <a16:creationId xmlns:a16="http://schemas.microsoft.com/office/drawing/2014/main" id="{39B8A62F-257D-4D7F-9406-31DAF41AA45C}"/>
+                  </a:ext>
+                </a:extLst>
+              </p:cNvPr>
+              <p:cNvSpPr>
+                <a:spLocks noGrp="1"/>
+              </p:cNvSpPr>
+              <p:nvPr>
+                <p:ph type="body" idx="1"/>
+              </p:nvPr>
+            </p:nvSpPr>
+            <p:spPr>
+              <a:xfrm>
+                <a:off x="185057" y="2595562"/>
+                <a:ext cx="6945086" cy="3670767"/>
+              </a:xfrm>
+            </p:spPr>
+            <p:txBody>
+              <a:bodyPr>
+                <a:normAutofit fontScale="92500" lnSpcReduction="20000"/>
+              </a:bodyPr>
+              <a:lstStyle/>
+              <a:p>
+                <a:r>
+                  <a:rPr lang="en-US" i="1" dirty="0"/>
+                  <a:t>Metaballs</a:t>
+                </a:r>
+                <a:r>
+                  <a:rPr lang="en-US" dirty="0"/>
+                  <a:t> is one approach</a:t>
+                </a:r>
+              </a:p>
+              <a:p>
+                <a:r>
+                  <a:rPr lang="en-US" dirty="0"/>
+                  <a:t>Each ball is defined by</a:t>
+                </a:r>
+              </a:p>
+              <a:p>
+                <a:pPr lvl="1"/>
+                <a:r>
+                  <a:rPr lang="en-US" dirty="0"/>
+                  <a:t>A point s</a:t>
+                </a:r>
+              </a:p>
+              <a:p>
+                <a:pPr lvl="1"/>
+                <a:r>
+                  <a:rPr lang="en-US" dirty="0"/>
+                  <a:t>Function that falls off with distance from s</a:t>
+                </a:r>
+              </a:p>
+              <a:p>
+                <a:r>
+                  <a:rPr lang="en-US" dirty="0"/>
+                  <a:t>We can sum up the functions for all </a:t>
+                </a:r>
+                <a:r>
+                  <a:rPr lang="en-US" dirty="0" err="1"/>
+                  <a:t>s</a:t>
+                </a:r>
+                <a:r>
+                  <a:rPr lang="en-US" baseline="-25000" dirty="0" err="1"/>
+                  <a:t>i</a:t>
+                </a:r>
+                <a:endParaRPr lang="en-US" baseline="-25000" dirty="0"/>
+              </a:p>
+              <a:p>
+                <a:r>
+                  <a:rPr lang="en-US" dirty="0"/>
+                  <a:t>Solid is everywhere that sum is below a threshold T</a:t>
+                </a:r>
+              </a:p>
+              <a:p>
+                <a:pPr marL="0" indent="0">
+                  <a:buNone/>
+                </a:pPr>
+                <a14:m>
+                  <m:oMathPara xmlns:m="http://schemas.openxmlformats.org/officeDocument/2006/math">
+                    <m:oMathParaPr>
+                      <m:jc m:val="centerGroup"/>
+                    </m:oMathParaPr>
+                    <m:oMath xmlns:m="http://schemas.openxmlformats.org/officeDocument/2006/math">
+                      <m:nary>
+                        <m:naryPr>
+                          <m:chr m:val="∑"/>
+                          <m:ctrlPr>
+                            <a:rPr lang="en-US" i="1" smtClean="0">
+                              <a:latin typeface="Cambria Math" panose="02040503050406030204" pitchFamily="18" charset="0"/>
+                            </a:rPr>
+                          </m:ctrlPr>
+                        </m:naryPr>
+                        <m:sub>
+                          <m:r>
+                            <m:rPr>
+                              <m:brk m:alnAt="23"/>
+                            </m:rPr>
+                            <a:rPr lang="en-US" b="0" i="1" smtClean="0">
+                              <a:latin typeface="Cambria Math" panose="02040503050406030204" pitchFamily="18" charset="0"/>
+                            </a:rPr>
+                            <m:t>𝑖</m:t>
+                          </m:r>
+                          <m:r>
+                            <a:rPr lang="en-US" b="0" i="1" smtClean="0">
+                              <a:latin typeface="Cambria Math" panose="02040503050406030204" pitchFamily="18" charset="0"/>
+                            </a:rPr>
+                            <m:t>=0</m:t>
+                          </m:r>
+                        </m:sub>
+                        <m:sup>
+                          <m:r>
+                            <a:rPr lang="en-US" b="0" i="1" smtClean="0">
+                              <a:latin typeface="Cambria Math" panose="02040503050406030204" pitchFamily="18" charset="0"/>
+                            </a:rPr>
+                            <m:t>𝑚</m:t>
+                          </m:r>
+                        </m:sup>
+                        <m:e>
+                          <m:sSub>
+                            <m:sSubPr>
+                              <m:ctrlPr>
+                                <a:rPr lang="en-US" b="0" i="1" smtClean="0">
+                                  <a:latin typeface="Cambria Math" panose="02040503050406030204" pitchFamily="18" charset="0"/>
+                                </a:rPr>
+                              </m:ctrlPr>
+                            </m:sSubPr>
+                            <m:e>
+                              <m:r>
+                                <a:rPr lang="en-US" b="0" i="1" smtClean="0">
+                                  <a:latin typeface="Cambria Math" panose="02040503050406030204" pitchFamily="18" charset="0"/>
+                                </a:rPr>
+                                <m:t>𝑚𝑒𝑡𝑎𝑏𝑎𝑙𝑙</m:t>
+                              </m:r>
+                            </m:e>
+                            <m:sub>
+                              <m:r>
+                                <a:rPr lang="en-US" b="0" i="1" smtClean="0">
+                                  <a:latin typeface="Cambria Math" panose="02040503050406030204" pitchFamily="18" charset="0"/>
+                                </a:rPr>
+                                <m:t>𝑖</m:t>
+                              </m:r>
+                            </m:sub>
+                          </m:sSub>
+                          <m:r>
+                            <a:rPr lang="en-US" b="0" i="1" smtClean="0">
+                              <a:latin typeface="Cambria Math" panose="02040503050406030204" pitchFamily="18" charset="0"/>
+                            </a:rPr>
+                            <m:t>(</m:t>
+                          </m:r>
+                          <m:r>
+                            <a:rPr lang="en-US" b="0" i="1" smtClean="0">
+                              <a:latin typeface="Cambria Math" panose="02040503050406030204" pitchFamily="18" charset="0"/>
+                            </a:rPr>
+                            <m:t>𝑥</m:t>
+                          </m:r>
+                          <m:r>
+                            <a:rPr lang="en-US" b="0" i="1" smtClean="0">
+                              <a:latin typeface="Cambria Math" panose="02040503050406030204" pitchFamily="18" charset="0"/>
+                            </a:rPr>
+                            <m:t>,</m:t>
+                          </m:r>
+                          <m:r>
+                            <a:rPr lang="en-US" b="0" i="1" smtClean="0">
+                              <a:latin typeface="Cambria Math" panose="02040503050406030204" pitchFamily="18" charset="0"/>
+                            </a:rPr>
+                            <m:t>𝑦</m:t>
+                          </m:r>
+                          <m:r>
+                            <a:rPr lang="en-US" b="0" i="1" smtClean="0">
+                              <a:latin typeface="Cambria Math" panose="02040503050406030204" pitchFamily="18" charset="0"/>
+                            </a:rPr>
+                            <m:t>,</m:t>
+                          </m:r>
+                          <m:r>
+                            <a:rPr lang="en-US" b="0" i="1" smtClean="0">
+                              <a:latin typeface="Cambria Math" panose="02040503050406030204" pitchFamily="18" charset="0"/>
+                            </a:rPr>
+                            <m:t>𝑧</m:t>
+                          </m:r>
+                          <m:r>
+                            <a:rPr lang="en-US" b="0" i="1" smtClean="0">
+                              <a:latin typeface="Cambria Math" panose="02040503050406030204" pitchFamily="18" charset="0"/>
+                            </a:rPr>
+                            <m:t>)≤</m:t>
+                          </m:r>
+                          <m:r>
+                            <a:rPr lang="en-US" b="0" i="1" smtClean="0">
+                              <a:latin typeface="Cambria Math" panose="02040503050406030204" pitchFamily="18" charset="0"/>
+                              <a:ea typeface="Cambria Math" panose="02040503050406030204" pitchFamily="18" charset="0"/>
+                            </a:rPr>
+                            <m:t>𝑇</m:t>
+                          </m:r>
+                        </m:e>
+                      </m:nary>
+                    </m:oMath>
+                  </m:oMathPara>
+                </a14:m>
+                <a:endParaRPr lang="en-US" dirty="0"/>
+              </a:p>
+              <a:p>
+                <a:pPr marL="0" indent="0">
+                  <a:buNone/>
+                </a:pPr>
+                <a:r>
+                  <a:rPr lang="en-US" dirty="0"/>
+                  <a:t>1 shows two positive </a:t>
+                </a:r>
+                <a:r>
+                  <a:rPr lang="en-US" dirty="0" err="1"/>
+                  <a:t>metaballs</a:t>
+                </a:r>
+                <a:r>
+                  <a:rPr lang="en-US" dirty="0"/>
+                  <a:t> with different falloff</a:t>
+                </a:r>
+              </a:p>
+              <a:p>
+                <a:pPr marL="0" indent="0">
+                  <a:buNone/>
+                </a:pPr>
+                <a:r>
+                  <a:rPr lang="en-US" dirty="0"/>
+                  <a:t>2 shows a positive and negative </a:t>
+                </a:r>
+                <a:r>
+                  <a:rPr lang="en-US" dirty="0" err="1"/>
+                  <a:t>metaball</a:t>
+                </a:r>
+                <a:endParaRPr lang="en-US" dirty="0"/>
+              </a:p>
+              <a:p>
+                <a:pPr marL="349250" lvl="1" indent="0">
+                  <a:buNone/>
+                </a:pPr>
+                <a:endParaRPr lang="en-US" dirty="0"/>
+              </a:p>
+            </p:txBody>
+          </p:sp>
+        </mc:Choice>
+        <mc:Fallback>
+          <p:sp>
+            <p:nvSpPr>
+              <p:cNvPr id="3" name="Text Placeholder 2">
+                <a:extLst>
+                  <a:ext uri="{FF2B5EF4-FFF2-40B4-BE49-F238E27FC236}">
+                    <a16:creationId xmlns:a16="http://schemas.microsoft.com/office/drawing/2014/main" id="{39B8A62F-257D-4D7F-9406-31DAF41AA45C}"/>
+                  </a:ext>
+                </a:extLst>
+              </p:cNvPr>
+              <p:cNvSpPr>
+                <a:spLocks noGrp="1" noRot="1" noChangeAspect="1" noMove="1" noResize="1" noEditPoints="1" noAdjustHandles="1" noChangeArrowheads="1" noChangeShapeType="1" noTextEdit="1"/>
+              </p:cNvSpPr>
+              <p:nvPr>
+                <p:ph type="body" idx="1"/>
+              </p:nvPr>
+            </p:nvSpPr>
+            <p:spPr>
+              <a:xfrm>
+                <a:off x="185057" y="2595562"/>
+                <a:ext cx="6945086" cy="3670767"/>
+              </a:xfrm>
+              <a:blipFill>
+                <a:blip r:embed="rId2"/>
+                <a:stretch>
+                  <a:fillRect l="-789" t="-2492"/>
+                </a:stretch>
+              </a:blipFill>
+            </p:spPr>
+            <p:txBody>
+              <a:bodyPr/>
+              <a:lstStyle/>
+              <a:p>
+                <a:r>
+                  <a:rPr lang="en-US">
+                    <a:noFill/>
+                  </a:rPr>
+                  <a:t> </a:t>
+                </a:r>
+              </a:p>
+            </p:txBody>
+          </p:sp>
+        </mc:Fallback>
+      </mc:AlternateContent>
+      <p:pic>
+        <p:nvPicPr>
+          <p:cNvPr id="4" name="Picture 3">
             <a:extLst>
               <a:ext uri="{FF2B5EF4-FFF2-40B4-BE49-F238E27FC236}">
-                <a16:creationId xmlns:a16="http://schemas.microsoft.com/office/drawing/2014/main" id="{0A16B599-22FB-424E-A4F9-551BDB6FE950}"/>
+                <a16:creationId xmlns:a16="http://schemas.microsoft.com/office/drawing/2014/main" id="{E5FCE43D-721A-4349-9B5E-F9DB4A78370B}"/>
               </a:ext>
             </a:extLst>
           </p:cNvPr>
-          <p:cNvSpPr>
-            <a:spLocks noGrp="1" noChangeArrowheads="1"/>
-          </p:cNvSpPr>
-          <p:nvPr>
-            <p:ph type="body" idx="1"/>
-          </p:nvPr>
-        </p:nvSpPr>
-        <p:spPr/>
-        <p:txBody>
-          <a:bodyPr/>
-          <a:lstStyle/>
-          <a:p>
-            <a:r>
-              <a:rPr lang="en-GB" altLang="en-US"/>
-              <a:t>Organic forms and nonlinear shapes</a:t>
-            </a:r>
-          </a:p>
-          <a:p>
-            <a:r>
-              <a:rPr lang="en-GB" altLang="en-US"/>
-              <a:t>Scientific modelling (electron orbitals, some medical imaging)</a:t>
-            </a:r>
-          </a:p>
-          <a:p>
-            <a:r>
-              <a:rPr lang="en-GB" altLang="en-US"/>
-              <a:t>Muscles and joints with skin</a:t>
-            </a:r>
-          </a:p>
-          <a:p>
-            <a:r>
-              <a:rPr lang="en-GB" altLang="en-US"/>
-              <a:t>Rapid prototyping</a:t>
-            </a:r>
-          </a:p>
-          <a:p>
-            <a:r>
-              <a:rPr lang="en-GB" altLang="en-US"/>
-              <a:t>CAD/CAM solid geometry</a:t>
-            </a:r>
-          </a:p>
-        </p:txBody>
-      </p:sp>
+          <p:cNvPicPr>
+            <a:picLocks noChangeAspect="1"/>
+          </p:cNvPicPr>
+          <p:nvPr/>
+        </p:nvPicPr>
+        <p:blipFill>
+          <a:blip r:embed="rId3"/>
+          <a:stretch>
+            <a:fillRect/>
+          </a:stretch>
+        </p:blipFill>
+        <p:spPr>
+          <a:xfrm>
+            <a:off x="7053943" y="2334305"/>
+            <a:ext cx="1905000" cy="3057525"/>
+          </a:xfrm>
+          <a:prstGeom prst="rect">
+            <a:avLst/>
+          </a:prstGeom>
+        </p:spPr>
+      </p:pic>
     </p:spTree>
     <p:extLst>
       <p:ext uri="{BB962C8B-B14F-4D97-AF65-F5344CB8AC3E}">
-        <p14:creationId xmlns:p14="http://schemas.microsoft.com/office/powerpoint/2010/main" val="535728825"/>
+        <p14:creationId xmlns:p14="http://schemas.microsoft.com/office/powerpoint/2010/main" val="3587750374"/>
       </p:ext>
     </p:extLst>
   </p:cSld>
@@ -14290,10 +14541,10 @@
       </p:grpSpPr>
       <p:sp>
         <p:nvSpPr>
-          <p:cNvPr id="10242" name="Rectangle 2">
+          <p:cNvPr id="11266" name="Rectangle 2">
             <a:extLst>
               <a:ext uri="{FF2B5EF4-FFF2-40B4-BE49-F238E27FC236}">
-                <a16:creationId xmlns:a16="http://schemas.microsoft.com/office/drawing/2014/main" id="{F16A683B-1F9E-42E5-9696-3D4B6BABDD4E}"/>
+                <a16:creationId xmlns:a16="http://schemas.microsoft.com/office/drawing/2014/main" id="{CCC52D1C-9EC1-4F5C-B8DF-3F8599FE9359}"/>
               </a:ext>
             </a:extLst>
           </p:cNvPr>
@@ -14310,50 +14561,252 @@
           <a:lstStyle/>
           <a:p>
             <a:r>
-              <a:rPr lang="en-GB" altLang="en-US"/>
-              <a:t>How does it work?</a:t>
-            </a:r>
-          </a:p>
-        </p:txBody>
-      </p:sp>
-      <p:sp>
-        <p:nvSpPr>
-          <p:cNvPr id="10243" name="Rectangle 3">
+              <a:rPr lang="en-GB" altLang="en-US" dirty="0"/>
+              <a:t>What is a Good Blobby Function?</a:t>
+            </a:r>
+          </a:p>
+        </p:txBody>
+      </p:sp>
+      <mc:AlternateContent xmlns:mc="http://schemas.openxmlformats.org/markup-compatibility/2006">
+        <mc:Choice xmlns:a14="http://schemas.microsoft.com/office/drawing/2010/main" Requires="a14">
+          <p:sp>
+            <p:nvSpPr>
+              <p:cNvPr id="11267" name="Rectangle 3">
+                <a:extLst>
+                  <a:ext uri="{FF2B5EF4-FFF2-40B4-BE49-F238E27FC236}">
+                    <a16:creationId xmlns:a16="http://schemas.microsoft.com/office/drawing/2014/main" id="{B2C4DBE6-69EE-4851-8018-8B1F917D122C}"/>
+                  </a:ext>
+                </a:extLst>
+              </p:cNvPr>
+              <p:cNvSpPr>
+                <a:spLocks noGrp="1" noChangeArrowheads="1"/>
+              </p:cNvSpPr>
+              <p:nvPr>
+                <p:ph type="body" idx="1"/>
+              </p:nvPr>
+            </p:nvSpPr>
+            <p:spPr>
+              <a:xfrm>
+                <a:off x="185057" y="2595562"/>
+                <a:ext cx="8539843" cy="3670767"/>
+              </a:xfrm>
+            </p:spPr>
+            <p:txBody>
+              <a:bodyPr/>
+              <a:lstStyle/>
+              <a:p>
+                <a:r>
+                  <a:rPr lang="en-GB" altLang="en-US" dirty="0"/>
+                  <a:t>Several force functions work well.  Examples:</a:t>
+                </a:r>
+              </a:p>
+              <a:p>
+                <a:pPr lvl="1"/>
+                <a:r>
+                  <a:rPr lang="en-GB" altLang="en-US" dirty="0"/>
+                  <a:t>“Blobby Molecules” - Jim Blinn</a:t>
+                </a:r>
+              </a:p>
+              <a:p>
+                <a:pPr lvl="2"/>
+                <a14:m>
+                  <m:oMath xmlns:m="http://schemas.openxmlformats.org/officeDocument/2006/math">
+                    <m:r>
+                      <a:rPr lang="en-US" altLang="en-US" b="0" i="1" smtClean="0">
+                        <a:latin typeface="Cambria Math" panose="02040503050406030204" pitchFamily="18" charset="0"/>
+                      </a:rPr>
+                      <m:t>𝐹</m:t>
+                    </m:r>
+                    <m:d>
+                      <m:dPr>
+                        <m:ctrlPr>
+                          <a:rPr lang="en-US" altLang="en-US" b="0" i="1" smtClean="0">
+                            <a:latin typeface="Cambria Math" panose="02040503050406030204" pitchFamily="18" charset="0"/>
+                          </a:rPr>
+                        </m:ctrlPr>
+                      </m:dPr>
+                      <m:e>
+                        <m:r>
+                          <a:rPr lang="en-US" altLang="en-US" b="0" i="1" smtClean="0">
+                            <a:latin typeface="Cambria Math" panose="02040503050406030204" pitchFamily="18" charset="0"/>
+                          </a:rPr>
+                          <m:t>𝑟</m:t>
+                        </m:r>
+                      </m:e>
+                    </m:d>
+                    <m:r>
+                      <a:rPr lang="en-US" altLang="en-US" b="0" i="1" smtClean="0">
+                        <a:latin typeface="Cambria Math" panose="02040503050406030204" pitchFamily="18" charset="0"/>
+                      </a:rPr>
+                      <m:t>=</m:t>
+                    </m:r>
+                    <m:r>
+                      <a:rPr lang="en-US" altLang="en-US" b="0" i="1" smtClean="0">
+                        <a:latin typeface="Cambria Math" panose="02040503050406030204" pitchFamily="18" charset="0"/>
+                      </a:rPr>
+                      <m:t>𝑎</m:t>
+                    </m:r>
+                    <m:r>
+                      <a:rPr lang="en-US" altLang="en-US" b="0" i="1" smtClean="0">
+                        <a:latin typeface="Cambria Math" panose="02040503050406030204" pitchFamily="18" charset="0"/>
+                      </a:rPr>
+                      <m:t> </m:t>
+                    </m:r>
+                    <m:sSup>
+                      <m:sSupPr>
+                        <m:ctrlPr>
+                          <a:rPr lang="en-US" altLang="en-US" b="0" i="1" smtClean="0">
+                            <a:latin typeface="Cambria Math" panose="02040503050406030204" pitchFamily="18" charset="0"/>
+                          </a:rPr>
+                        </m:ctrlPr>
+                      </m:sSupPr>
+                      <m:e>
+                        <m:r>
+                          <a:rPr lang="en-US" altLang="en-US" b="0" i="1" smtClean="0">
+                            <a:latin typeface="Cambria Math" panose="02040503050406030204" pitchFamily="18" charset="0"/>
+                          </a:rPr>
+                          <m:t>𝑒</m:t>
+                        </m:r>
+                      </m:e>
+                      <m:sup>
+                        <m:r>
+                          <a:rPr lang="en-US" altLang="en-US" b="0" i="1" smtClean="0">
+                            <a:latin typeface="Cambria Math" panose="02040503050406030204" pitchFamily="18" charset="0"/>
+                          </a:rPr>
+                          <m:t>−</m:t>
+                        </m:r>
+                        <m:r>
+                          <a:rPr lang="en-US" altLang="en-US" b="0" i="1" smtClean="0">
+                            <a:latin typeface="Cambria Math" panose="02040503050406030204" pitchFamily="18" charset="0"/>
+                          </a:rPr>
+                          <m:t>𝑏</m:t>
+                        </m:r>
+                        <m:sSup>
+                          <m:sSupPr>
+                            <m:ctrlPr>
+                              <a:rPr lang="en-US" altLang="en-US" b="0" i="1" smtClean="0">
+                                <a:latin typeface="Cambria Math" panose="02040503050406030204" pitchFamily="18" charset="0"/>
+                              </a:rPr>
+                            </m:ctrlPr>
+                          </m:sSupPr>
+                          <m:e>
+                            <m:r>
+                              <a:rPr lang="en-US" altLang="en-US" b="0" i="1" smtClean="0">
+                                <a:latin typeface="Cambria Math" panose="02040503050406030204" pitchFamily="18" charset="0"/>
+                              </a:rPr>
+                              <m:t>𝑟</m:t>
+                            </m:r>
+                          </m:e>
+                          <m:sup>
+                            <m:r>
+                              <a:rPr lang="en-US" altLang="en-US" b="0" i="1" smtClean="0">
+                                <a:latin typeface="Cambria Math" panose="02040503050406030204" pitchFamily="18" charset="0"/>
+                              </a:rPr>
+                              <m:t>2</m:t>
+                            </m:r>
+                          </m:sup>
+                        </m:sSup>
+                      </m:sup>
+                    </m:sSup>
+                  </m:oMath>
+                </a14:m>
+                <a:endParaRPr lang="en-GB" altLang="en-US" baseline="50000" dirty="0"/>
+              </a:p>
+              <a:p>
+                <a:pPr lvl="2"/>
+                <a:r>
+                  <a:rPr lang="en-GB" altLang="en-US" dirty="0"/>
+                  <a:t> ‘b’ is related to the standard deviation of the curve</a:t>
+                </a:r>
+              </a:p>
+              <a:p>
+                <a:pPr lvl="2"/>
+                <a:r>
+                  <a:rPr lang="en-GB" altLang="en-US" dirty="0"/>
+                  <a:t> ‘a’ to the height.</a:t>
+                </a:r>
+              </a:p>
+            </p:txBody>
+          </p:sp>
+        </mc:Choice>
+        <mc:Fallback>
+          <p:sp>
+            <p:nvSpPr>
+              <p:cNvPr id="11267" name="Rectangle 3">
+                <a:extLst>
+                  <a:ext uri="{FF2B5EF4-FFF2-40B4-BE49-F238E27FC236}">
+                    <a16:creationId xmlns:a16="http://schemas.microsoft.com/office/drawing/2014/main" id="{B2C4DBE6-69EE-4851-8018-8B1F917D122C}"/>
+                  </a:ext>
+                </a:extLst>
+              </p:cNvPr>
+              <p:cNvSpPr>
+                <a:spLocks noGrp="1" noRot="1" noChangeAspect="1" noMove="1" noResize="1" noEditPoints="1" noAdjustHandles="1" noChangeArrowheads="1" noChangeShapeType="1" noTextEdit="1"/>
+              </p:cNvSpPr>
+              <p:nvPr>
+                <p:ph type="body" idx="1"/>
+              </p:nvPr>
+            </p:nvSpPr>
+            <p:spPr>
+              <a:xfrm>
+                <a:off x="185057" y="2595562"/>
+                <a:ext cx="8539843" cy="3670767"/>
+              </a:xfrm>
+              <a:blipFill>
+                <a:blip r:embed="rId2"/>
+                <a:stretch>
+                  <a:fillRect l="-500" t="-997"/>
+                </a:stretch>
+              </a:blipFill>
+            </p:spPr>
+            <p:txBody>
+              <a:bodyPr/>
+              <a:lstStyle/>
+              <a:p>
+                <a:r>
+                  <a:rPr lang="en-US">
+                    <a:noFill/>
+                  </a:rPr>
+                  <a:t> </a:t>
+                </a:r>
+              </a:p>
+            </p:txBody>
+          </p:sp>
+        </mc:Fallback>
+      </mc:AlternateContent>
+      <p:pic>
+        <p:nvPicPr>
+          <p:cNvPr id="2" name="Picture 1">
             <a:extLst>
               <a:ext uri="{FF2B5EF4-FFF2-40B4-BE49-F238E27FC236}">
-                <a16:creationId xmlns:a16="http://schemas.microsoft.com/office/drawing/2014/main" id="{C7386F5A-B5CA-4B35-9B9A-B3CB1373F727}"/>
+                <a16:creationId xmlns:a16="http://schemas.microsoft.com/office/drawing/2014/main" id="{9308EFEF-7BED-4227-8037-4763D1B5E87B}"/>
               </a:ext>
             </a:extLst>
           </p:cNvPr>
-          <p:cNvSpPr>
-            <a:spLocks noGrp="1" noChangeArrowheads="1"/>
-          </p:cNvSpPr>
-          <p:nvPr>
-            <p:ph type="body" idx="1"/>
-          </p:nvPr>
-        </p:nvSpPr>
-        <p:spPr/>
-        <p:txBody>
-          <a:bodyPr/>
-          <a:lstStyle/>
-          <a:p>
-            <a:r>
-              <a:rPr lang="en-GB" altLang="en-US"/>
-              <a:t>Each point in space generates a field of force, which drops off as a function of distance from the point.</a:t>
-            </a:r>
-          </a:p>
-          <a:p>
-            <a:r>
-              <a:rPr lang="en-GB" altLang="en-US"/>
-              <a:t>A blobby model is formed from the shells of these force fields, the implicit surface which they define in space.</a:t>
-            </a:r>
-          </a:p>
-        </p:txBody>
-      </p:sp>
+          <p:cNvPicPr>
+            <a:picLocks noChangeAspect="1"/>
+          </p:cNvPicPr>
+          <p:nvPr/>
+        </p:nvPicPr>
+        <p:blipFill>
+          <a:blip r:embed="rId3"/>
+          <a:stretch>
+            <a:fillRect/>
+          </a:stretch>
+        </p:blipFill>
+        <p:spPr>
+          <a:xfrm>
+            <a:off x="3663043" y="4430945"/>
+            <a:ext cx="2362200" cy="1933575"/>
+          </a:xfrm>
+          <a:prstGeom prst="rect">
+            <a:avLst/>
+          </a:prstGeom>
+        </p:spPr>
+      </p:pic>
     </p:spTree>
     <p:extLst>
       <p:ext uri="{BB962C8B-B14F-4D97-AF65-F5344CB8AC3E}">
-        <p14:creationId xmlns:p14="http://schemas.microsoft.com/office/powerpoint/2010/main" val="2924027633"/>
+        <p14:creationId xmlns:p14="http://schemas.microsoft.com/office/powerpoint/2010/main" val="2883792641"/>
       </p:ext>
     </p:extLst>
   </p:cSld>
